--- a/docs/zwischenpraesentation.pptx
+++ b/docs/zwischenpraesentation.pptx
@@ -7,8 +7,10 @@
   <p:sldIdLst>
     <p:sldId id="256" r:id="rId2"/>
     <p:sldId id="257" r:id="rId3"/>
-    <p:sldId id="258" r:id="rId4"/>
-    <p:sldId id="259" r:id="rId5"/>
+    <p:sldId id="263" r:id="rId4"/>
+    <p:sldId id="260" r:id="rId5"/>
+    <p:sldId id="258" r:id="rId6"/>
+    <p:sldId id="259" r:id="rId7"/>
   </p:sldIdLst>
   <p:sldSz cx="9144000" cy="6858000" type="screen4x3"/>
   <p:notesSz cx="6858000" cy="9144000"/>
@@ -13819,10 +13821,523 @@
   <p:clrMapOvr>
     <a:masterClrMapping/>
   </p:clrMapOvr>
+  <p:timing>
+    <p:tnLst>
+      <p:par>
+        <p:cTn xmlns:p14="http://schemas.microsoft.com/office/powerpoint/2010/main" id="1" dur="indefinite" restart="never" nodeType="tmRoot"/>
+      </p:par>
+    </p:tnLst>
+  </p:timing>
 </p:sld>
 </file>
 
 <file path=ppt/slides/slide2.xml><?xml version="1.0" encoding="utf-8"?>
+<p:sld xmlns:a="http://schemas.openxmlformats.org/drawingml/2006/main" xmlns:r="http://schemas.openxmlformats.org/officeDocument/2006/relationships" xmlns:p="http://schemas.openxmlformats.org/presentationml/2006/main">
+  <p:cSld>
+    <p:spTree>
+      <p:nvGrpSpPr>
+        <p:cNvPr id="1" name=""/>
+        <p:cNvGrpSpPr/>
+        <p:nvPr/>
+      </p:nvGrpSpPr>
+      <p:grpSpPr>
+        <a:xfrm>
+          <a:off x="0" y="0"/>
+          <a:ext cx="0" cy="0"/>
+          <a:chOff x="0" y="0"/>
+          <a:chExt cx="0" cy="0"/>
+        </a:xfrm>
+      </p:grpSpPr>
+      <p:sp>
+        <p:nvSpPr>
+          <p:cNvPr id="2" name="Titel 1"/>
+          <p:cNvSpPr>
+            <a:spLocks noGrp="1"/>
+          </p:cNvSpPr>
+          <p:nvPr>
+            <p:ph type="title"/>
+          </p:nvPr>
+        </p:nvSpPr>
+        <p:spPr>
+          <a:xfrm>
+            <a:off x="4648558" y="-128161"/>
+            <a:ext cx="3496273" cy="707390"/>
+          </a:xfrm>
+        </p:spPr>
+        <p:txBody>
+          <a:bodyPr>
+            <a:normAutofit/>
+          </a:bodyPr>
+          <a:lstStyle/>
+          <a:p>
+            <a:pPr algn="ctr"/>
+            <a:r>
+              <a:rPr lang="de-DE" sz="3600" dirty="0" smtClean="0">
+                <a:solidFill>
+                  <a:schemeClr val="bg1"/>
+                </a:solidFill>
+              </a:rPr>
+              <a:t>Stückliste</a:t>
+            </a:r>
+            <a:endParaRPr lang="de-DE" sz="3600" dirty="0">
+              <a:solidFill>
+                <a:schemeClr val="bg1"/>
+              </a:solidFill>
+            </a:endParaRPr>
+          </a:p>
+        </p:txBody>
+      </p:sp>
+      <p:pic>
+        <p:nvPicPr>
+          <p:cNvPr id="5" name="Bild 4"/>
+          <p:cNvPicPr>
+            <a:picLocks noChangeAspect="1"/>
+          </p:cNvPicPr>
+          <p:nvPr/>
+        </p:nvPicPr>
+        <p:blipFill>
+          <a:blip r:embed="rId2"/>
+          <a:stretch>
+            <a:fillRect/>
+          </a:stretch>
+        </p:blipFill>
+        <p:spPr>
+          <a:xfrm>
+            <a:off x="647214" y="806033"/>
+            <a:ext cx="4704492" cy="5623873"/>
+          </a:xfrm>
+          <a:prstGeom prst="rect">
+            <a:avLst/>
+          </a:prstGeom>
+        </p:spPr>
+      </p:pic>
+    </p:spTree>
+    <p:extLst>
+      <p:ext uri="{BB962C8B-B14F-4D97-AF65-F5344CB8AC3E}">
+        <p14:creationId xmlns:p14="http://schemas.microsoft.com/office/powerpoint/2010/main" val="1460184404"/>
+      </p:ext>
+    </p:extLst>
+  </p:cSld>
+  <p:clrMapOvr>
+    <a:masterClrMapping/>
+  </p:clrMapOvr>
+  <p:timing>
+    <p:tnLst>
+      <p:par>
+        <p:cTn xmlns:p14="http://schemas.microsoft.com/office/powerpoint/2010/main" id="1" dur="indefinite" restart="never" nodeType="tmRoot"/>
+      </p:par>
+    </p:tnLst>
+  </p:timing>
+</p:sld>
+</file>
+
+<file path=ppt/slides/slide3.xml><?xml version="1.0" encoding="utf-8"?>
+<p:sld xmlns:a="http://schemas.openxmlformats.org/drawingml/2006/main" xmlns:r="http://schemas.openxmlformats.org/officeDocument/2006/relationships" xmlns:p="http://schemas.openxmlformats.org/presentationml/2006/main">
+  <p:cSld>
+    <p:spTree>
+      <p:nvGrpSpPr>
+        <p:cNvPr id="1" name=""/>
+        <p:cNvGrpSpPr/>
+        <p:nvPr/>
+      </p:nvGrpSpPr>
+      <p:grpSpPr>
+        <a:xfrm>
+          <a:off x="0" y="0"/>
+          <a:ext cx="0" cy="0"/>
+          <a:chOff x="0" y="0"/>
+          <a:chExt cx="0" cy="0"/>
+        </a:xfrm>
+      </p:grpSpPr>
+      <p:sp>
+        <p:nvSpPr>
+          <p:cNvPr id="2" name="Titel 1"/>
+          <p:cNvSpPr>
+            <a:spLocks noGrp="1"/>
+          </p:cNvSpPr>
+          <p:nvPr>
+            <p:ph type="title"/>
+          </p:nvPr>
+        </p:nvSpPr>
+        <p:spPr>
+          <a:xfrm>
+            <a:off x="4648558" y="-128161"/>
+            <a:ext cx="3496273" cy="707390"/>
+          </a:xfrm>
+        </p:spPr>
+        <p:txBody>
+          <a:bodyPr>
+            <a:normAutofit/>
+          </a:bodyPr>
+          <a:lstStyle/>
+          <a:p>
+            <a:pPr algn="ctr"/>
+            <a:r>
+              <a:rPr lang="de-DE" sz="3600" dirty="0" smtClean="0">
+                <a:solidFill>
+                  <a:schemeClr val="bg1"/>
+                </a:solidFill>
+              </a:rPr>
+              <a:t>Architektur</a:t>
+            </a:r>
+            <a:endParaRPr lang="de-DE" sz="3600" dirty="0">
+              <a:solidFill>
+                <a:schemeClr val="bg1"/>
+              </a:solidFill>
+            </a:endParaRPr>
+          </a:p>
+        </p:txBody>
+      </p:sp>
+      <p:pic>
+        <p:nvPicPr>
+          <p:cNvPr id="3" name="Bild 2" descr="A-Architektur.png"/>
+          <p:cNvPicPr>
+            <a:picLocks noChangeAspect="1"/>
+          </p:cNvPicPr>
+          <p:nvPr/>
+        </p:nvPicPr>
+        <p:blipFill>
+          <a:blip r:embed="rId2">
+            <a:extLst>
+              <a:ext uri="{28A0092B-C50C-407E-A947-70E740481C1C}">
+                <a14:useLocalDpi xmlns:a14="http://schemas.microsoft.com/office/drawing/2010/main" val="0"/>
+              </a:ext>
+            </a:extLst>
+          </a:blip>
+          <a:stretch>
+            <a:fillRect/>
+          </a:stretch>
+        </p:blipFill>
+        <p:spPr>
+          <a:xfrm>
+            <a:off x="617318" y="1201350"/>
+            <a:ext cx="7150334" cy="4355359"/>
+          </a:xfrm>
+          <a:prstGeom prst="rect">
+            <a:avLst/>
+          </a:prstGeom>
+        </p:spPr>
+      </p:pic>
+      <p:sp>
+        <p:nvSpPr>
+          <p:cNvPr id="7" name="Rechteck 6"/>
+          <p:cNvSpPr/>
+          <p:nvPr/>
+        </p:nvSpPr>
+        <p:spPr>
+          <a:xfrm>
+            <a:off x="3610989" y="2307043"/>
+            <a:ext cx="4671931" cy="328866"/>
+          </a:xfrm>
+          <a:prstGeom prst="rect">
+            <a:avLst/>
+          </a:prstGeom>
+          <a:solidFill>
+            <a:schemeClr val="bg1"/>
+          </a:solidFill>
+          <a:ln>
+            <a:solidFill>
+              <a:schemeClr val="bg1"/>
+            </a:solidFill>
+          </a:ln>
+          <a:effectLst/>
+          <a:scene3d>
+            <a:camera prst="orthographicFront"/>
+            <a:lightRig rig="threePt" dir="tl">
+              <a:rot lat="0" lon="0" rev="20400000"/>
+            </a:lightRig>
+          </a:scene3d>
+          <a:sp3d/>
+        </p:spPr>
+        <p:style>
+          <a:lnRef idx="1">
+            <a:schemeClr val="accent1"/>
+          </a:lnRef>
+          <a:fillRef idx="3">
+            <a:schemeClr val="accent1"/>
+          </a:fillRef>
+          <a:effectRef idx="2">
+            <a:schemeClr val="accent1"/>
+          </a:effectRef>
+          <a:fontRef idx="minor">
+            <a:schemeClr val="lt1"/>
+          </a:fontRef>
+        </p:style>
+        <p:txBody>
+          <a:bodyPr rtlCol="0" anchor="ctr"/>
+          <a:lstStyle/>
+          <a:p>
+            <a:pPr algn="ctr"/>
+            <a:endParaRPr lang="de-DE"/>
+          </a:p>
+        </p:txBody>
+      </p:sp>
+      <p:sp>
+        <p:nvSpPr>
+          <p:cNvPr id="8" name="Rechteck 7"/>
+          <p:cNvSpPr/>
+          <p:nvPr/>
+        </p:nvSpPr>
+        <p:spPr>
+          <a:xfrm>
+            <a:off x="5193554" y="3867016"/>
+            <a:ext cx="2855916" cy="912195"/>
+          </a:xfrm>
+          <a:prstGeom prst="rect">
+            <a:avLst/>
+          </a:prstGeom>
+          <a:solidFill>
+            <a:schemeClr val="bg1"/>
+          </a:solidFill>
+          <a:ln>
+            <a:solidFill>
+              <a:schemeClr val="bg1"/>
+            </a:solidFill>
+          </a:ln>
+          <a:effectLst/>
+          <a:scene3d>
+            <a:camera prst="orthographicFront"/>
+            <a:lightRig rig="threePt" dir="tl">
+              <a:rot lat="0" lon="0" rev="20400000"/>
+            </a:lightRig>
+          </a:scene3d>
+          <a:sp3d/>
+        </p:spPr>
+        <p:style>
+          <a:lnRef idx="1">
+            <a:schemeClr val="accent1"/>
+          </a:lnRef>
+          <a:fillRef idx="3">
+            <a:schemeClr val="accent1"/>
+          </a:fillRef>
+          <a:effectRef idx="2">
+            <a:schemeClr val="accent1"/>
+          </a:effectRef>
+          <a:fontRef idx="minor">
+            <a:schemeClr val="lt1"/>
+          </a:fontRef>
+        </p:style>
+        <p:txBody>
+          <a:bodyPr rtlCol="0" anchor="ctr"/>
+          <a:lstStyle/>
+          <a:p>
+            <a:pPr algn="ctr"/>
+            <a:endParaRPr lang="de-DE"/>
+          </a:p>
+        </p:txBody>
+      </p:sp>
+      <p:sp>
+        <p:nvSpPr>
+          <p:cNvPr id="10" name="Rechteck 9"/>
+          <p:cNvSpPr/>
+          <p:nvPr/>
+        </p:nvSpPr>
+        <p:spPr>
+          <a:xfrm>
+            <a:off x="4064575" y="2307043"/>
+            <a:ext cx="2855916" cy="912195"/>
+          </a:xfrm>
+          <a:prstGeom prst="rect">
+            <a:avLst/>
+          </a:prstGeom>
+          <a:solidFill>
+            <a:schemeClr val="bg1"/>
+          </a:solidFill>
+          <a:ln>
+            <a:solidFill>
+              <a:schemeClr val="bg1"/>
+            </a:solidFill>
+          </a:ln>
+          <a:effectLst/>
+          <a:scene3d>
+            <a:camera prst="orthographicFront"/>
+            <a:lightRig rig="threePt" dir="tl">
+              <a:rot lat="0" lon="0" rev="20400000"/>
+            </a:lightRig>
+          </a:scene3d>
+          <a:sp3d/>
+        </p:spPr>
+        <p:style>
+          <a:lnRef idx="1">
+            <a:schemeClr val="accent1"/>
+          </a:lnRef>
+          <a:fillRef idx="3">
+            <a:schemeClr val="accent1"/>
+          </a:fillRef>
+          <a:effectRef idx="2">
+            <a:schemeClr val="accent1"/>
+          </a:effectRef>
+          <a:fontRef idx="minor">
+            <a:schemeClr val="lt1"/>
+          </a:fontRef>
+        </p:style>
+        <p:txBody>
+          <a:bodyPr rtlCol="0" anchor="ctr"/>
+          <a:lstStyle/>
+          <a:p>
+            <a:pPr algn="ctr"/>
+            <a:endParaRPr lang="de-DE"/>
+          </a:p>
+        </p:txBody>
+      </p:sp>
+      <p:sp>
+        <p:nvSpPr>
+          <p:cNvPr id="11" name="Rechteck 10"/>
+          <p:cNvSpPr/>
+          <p:nvPr/>
+        </p:nvSpPr>
+        <p:spPr>
+          <a:xfrm>
+            <a:off x="1872713" y="1893817"/>
+            <a:ext cx="2855916" cy="742092"/>
+          </a:xfrm>
+          <a:prstGeom prst="rect">
+            <a:avLst/>
+          </a:prstGeom>
+          <a:solidFill>
+            <a:schemeClr val="bg1"/>
+          </a:solidFill>
+          <a:ln>
+            <a:solidFill>
+              <a:schemeClr val="bg1"/>
+            </a:solidFill>
+          </a:ln>
+          <a:effectLst/>
+          <a:scene3d>
+            <a:camera prst="orthographicFront"/>
+            <a:lightRig rig="threePt" dir="tl">
+              <a:rot lat="0" lon="0" rev="20400000"/>
+            </a:lightRig>
+          </a:scene3d>
+          <a:sp3d/>
+        </p:spPr>
+        <p:style>
+          <a:lnRef idx="1">
+            <a:schemeClr val="accent1"/>
+          </a:lnRef>
+          <a:fillRef idx="3">
+            <a:schemeClr val="accent1"/>
+          </a:fillRef>
+          <a:effectRef idx="2">
+            <a:schemeClr val="accent1"/>
+          </a:effectRef>
+          <a:fontRef idx="minor">
+            <a:schemeClr val="lt1"/>
+          </a:fontRef>
+        </p:style>
+        <p:txBody>
+          <a:bodyPr rtlCol="0" anchor="ctr"/>
+          <a:lstStyle/>
+          <a:p>
+            <a:pPr algn="ctr"/>
+            <a:endParaRPr lang="de-DE"/>
+          </a:p>
+        </p:txBody>
+      </p:sp>
+      <p:pic>
+        <p:nvPicPr>
+          <p:cNvPr id="5" name="Bild 4" descr="T-Architektur.png"/>
+          <p:cNvPicPr>
+            <a:picLocks noChangeAspect="1"/>
+          </p:cNvPicPr>
+          <p:nvPr/>
+        </p:nvPicPr>
+        <p:blipFill>
+          <a:blip r:embed="rId3">
+            <a:extLst>
+              <a:ext uri="{28A0092B-C50C-407E-A947-70E740481C1C}">
+                <a14:useLocalDpi xmlns:a14="http://schemas.microsoft.com/office/drawing/2010/main" val="0"/>
+              </a:ext>
+            </a:extLst>
+          </a:blip>
+          <a:stretch>
+            <a:fillRect/>
+          </a:stretch>
+        </p:blipFill>
+        <p:spPr>
+          <a:xfrm>
+            <a:off x="4535855" y="855038"/>
+            <a:ext cx="4082269" cy="3237891"/>
+          </a:xfrm>
+          <a:prstGeom prst="rect">
+            <a:avLst/>
+          </a:prstGeom>
+        </p:spPr>
+      </p:pic>
+      <p:sp>
+        <p:nvSpPr>
+          <p:cNvPr id="12" name="Rechteck 11"/>
+          <p:cNvSpPr/>
+          <p:nvPr/>
+        </p:nvSpPr>
+        <p:spPr>
+          <a:xfrm>
+            <a:off x="617318" y="4200860"/>
+            <a:ext cx="2159218" cy="742092"/>
+          </a:xfrm>
+          <a:prstGeom prst="rect">
+            <a:avLst/>
+          </a:prstGeom>
+          <a:solidFill>
+            <a:schemeClr val="bg1"/>
+          </a:solidFill>
+          <a:ln>
+            <a:solidFill>
+              <a:schemeClr val="bg1"/>
+            </a:solidFill>
+          </a:ln>
+          <a:effectLst/>
+          <a:scene3d>
+            <a:camera prst="orthographicFront"/>
+            <a:lightRig rig="threePt" dir="tl">
+              <a:rot lat="0" lon="0" rev="20400000"/>
+            </a:lightRig>
+          </a:scene3d>
+          <a:sp3d/>
+        </p:spPr>
+        <p:style>
+          <a:lnRef idx="1">
+            <a:schemeClr val="accent1"/>
+          </a:lnRef>
+          <a:fillRef idx="3">
+            <a:schemeClr val="accent1"/>
+          </a:fillRef>
+          <a:effectRef idx="2">
+            <a:schemeClr val="accent1"/>
+          </a:effectRef>
+          <a:fontRef idx="minor">
+            <a:schemeClr val="lt1"/>
+          </a:fontRef>
+        </p:style>
+        <p:txBody>
+          <a:bodyPr rtlCol="0" anchor="ctr"/>
+          <a:lstStyle/>
+          <a:p>
+            <a:pPr algn="ctr"/>
+            <a:endParaRPr lang="de-DE"/>
+          </a:p>
+        </p:txBody>
+      </p:sp>
+    </p:spTree>
+    <p:extLst>
+      <p:ext uri="{BB962C8B-B14F-4D97-AF65-F5344CB8AC3E}">
+        <p14:creationId xmlns:p14="http://schemas.microsoft.com/office/powerpoint/2010/main" val="471066801"/>
+      </p:ext>
+    </p:extLst>
+  </p:cSld>
+  <p:clrMapOvr>
+    <a:masterClrMapping/>
+  </p:clrMapOvr>
+  <p:timing>
+    <p:tnLst>
+      <p:par>
+        <p:cTn xmlns:p14="http://schemas.microsoft.com/office/powerpoint/2010/main" id="1" dur="indefinite" restart="never" nodeType="tmRoot"/>
+      </p:par>
+    </p:tnLst>
+  </p:timing>
+</p:sld>
+</file>
+
+<file path=ppt/slides/slide4.xml><?xml version="1.0" encoding="utf-8"?>
 <p:sld xmlns:a="http://schemas.openxmlformats.org/drawingml/2006/main" xmlns:r="http://schemas.openxmlformats.org/officeDocument/2006/relationships" xmlns:p="http://schemas.openxmlformats.org/presentationml/2006/main">
   <p:cSld>
     <p:spTree>
@@ -13903,17 +14418,24 @@
     </p:spTree>
     <p:extLst>
       <p:ext uri="{BB962C8B-B14F-4D97-AF65-F5344CB8AC3E}">
-        <p14:creationId xmlns:p14="http://schemas.microsoft.com/office/powerpoint/2010/main" val="1460184404"/>
+        <p14:creationId xmlns:p14="http://schemas.microsoft.com/office/powerpoint/2010/main" val="1615643364"/>
       </p:ext>
     </p:extLst>
   </p:cSld>
   <p:clrMapOvr>
     <a:masterClrMapping/>
   </p:clrMapOvr>
+  <p:timing>
+    <p:tnLst>
+      <p:par>
+        <p:cTn xmlns:p14="http://schemas.microsoft.com/office/powerpoint/2010/main" id="1" dur="indefinite" restart="never" nodeType="tmRoot"/>
+      </p:par>
+    </p:tnLst>
+  </p:timing>
 </p:sld>
 </file>
 
-<file path=ppt/slides/slide3.xml><?xml version="1.0" encoding="utf-8"?>
+<file path=ppt/slides/slide5.xml><?xml version="1.0" encoding="utf-8"?>
 <p:sld xmlns:a="http://schemas.openxmlformats.org/drawingml/2006/main" xmlns:r="http://schemas.openxmlformats.org/officeDocument/2006/relationships" xmlns:p="http://schemas.openxmlformats.org/presentationml/2006/main">
   <p:cSld>
     <p:spTree>
@@ -14001,10 +14523,17 @@
   <p:clrMapOvr>
     <a:masterClrMapping/>
   </p:clrMapOvr>
+  <p:timing>
+    <p:tnLst>
+      <p:par>
+        <p:cTn xmlns:p14="http://schemas.microsoft.com/office/powerpoint/2010/main" id="1" dur="indefinite" restart="never" nodeType="tmRoot"/>
+      </p:par>
+    </p:tnLst>
+  </p:timing>
 </p:sld>
 </file>
 
-<file path=ppt/slides/slide4.xml><?xml version="1.0" encoding="utf-8"?>
+<file path=ppt/slides/slide6.xml><?xml version="1.0" encoding="utf-8"?>
 <p:sld xmlns:a="http://schemas.openxmlformats.org/drawingml/2006/main" xmlns:r="http://schemas.openxmlformats.org/officeDocument/2006/relationships" xmlns:p="http://schemas.openxmlformats.org/presentationml/2006/main">
   <p:cSld>
     <p:spTree>
@@ -14094,6 +14623,13 @@
   <p:clrMapOvr>
     <a:masterClrMapping/>
   </p:clrMapOvr>
+  <p:timing>
+    <p:tnLst>
+      <p:par>
+        <p:cTn xmlns:p14="http://schemas.microsoft.com/office/powerpoint/2010/main" id="1" dur="indefinite" restart="never" nodeType="tmRoot"/>
+      </p:par>
+    </p:tnLst>
+  </p:timing>
 </p:sld>
 </file>
 
